--- a/ppt/技术分享.pptx
+++ b/ppt/技术分享.pptx
@@ -3831,7 +3831,21 @@
               </a:rPr>
               <a:t>Gson</a:t>
             </a:r>
-            <a:endParaRPr lang="en-US" altLang="zh-CN" sz="2800" dirty="0"/>
+            <a:r>
+              <a:rPr lang="zh-CN" altLang="en-US" sz="2800" dirty="0">
+                <a:sym typeface="+mn-ea"/>
+              </a:rPr>
+              <a:t>、</a:t>
+            </a:r>
+            <a:r>
+              <a:rPr lang="en-US" altLang="zh-CN" sz="2800" dirty="0">
+                <a:sym typeface="+mn-ea"/>
+              </a:rPr>
+              <a:t>Jackson</a:t>
+            </a:r>
+            <a:endParaRPr lang="zh-CN" altLang="en-US" sz="2800" dirty="0">
+              <a:sym typeface="+mn-ea"/>
+            </a:endParaRPr>
           </a:p>
           <a:p>
             <a:pPr>
@@ -3947,7 +3961,7 @@
         </p:nvSpPr>
         <p:spPr>
           <a:xfrm>
-            <a:off x="1184910" y="1702435"/>
+            <a:off x="1299210" y="4266565"/>
             <a:ext cx="6306820" cy="1724660"/>
           </a:xfrm>
         </p:spPr>
@@ -3963,36 +3977,38 @@
               </a:lnSpc>
             </a:pPr>
             <a:r>
-              <a:rPr lang="en-US" altLang="zh-CN" sz="2800" dirty="0">
+              <a:rPr lang="en-US" altLang="zh-CN" sz="2000" dirty="0">
                 <a:sym typeface="+mn-ea"/>
               </a:rPr>
               <a:t>Tomcat-embed</a:t>
             </a:r>
             <a:r>
-              <a:rPr lang="zh-CN" altLang="en-US" sz="2800" dirty="0">
+              <a:rPr lang="zh-CN" altLang="en-US" sz="2000" dirty="0">
                 <a:sym typeface="+mn-ea"/>
               </a:rPr>
               <a:t>、</a:t>
             </a:r>
             <a:r>
-              <a:rPr lang="en-US" sz="2800" dirty="0">
+              <a:rPr lang="en-US" sz="2000" dirty="0">
                 <a:sym typeface="+mn-ea"/>
               </a:rPr>
               <a:t>Hibernate</a:t>
             </a:r>
             <a:r>
-              <a:rPr lang="zh-CN" altLang="en-US" sz="2800" dirty="0">
+              <a:rPr lang="zh-CN" altLang="en-US" sz="2000" dirty="0">
                 <a:sym typeface="+mn-ea"/>
               </a:rPr>
               <a:t>、</a:t>
             </a:r>
             <a:r>
-              <a:rPr lang="en-US" sz="2800" dirty="0">
+              <a:rPr lang="en-US" sz="1800" dirty="0">
                 <a:sym typeface="+mn-ea"/>
               </a:rPr>
               <a:t>Jackson</a:t>
             </a:r>
-            <a:endParaRPr lang="en-US" sz="2800" dirty="0"/>
+            <a:endParaRPr lang="en-US" sz="1800" dirty="0">
+              <a:sym typeface="+mn-ea"/>
+            </a:endParaRPr>
           </a:p>
           <a:p>
             <a:pPr>
@@ -4001,10 +4017,10 @@
               </a:lnSpc>
             </a:pPr>
             <a:r>
-              <a:rPr lang="en-US" altLang="zh-CN" sz="2800" dirty="0"/>
+              <a:rPr lang="en-US" altLang="zh-CN" sz="2000" dirty="0"/>
               <a:t>H2</a:t>
             </a:r>
-            <a:endParaRPr lang="en-US" altLang="zh-CN" sz="2800" dirty="0"/>
+            <a:endParaRPr lang="en-US" altLang="zh-CN" sz="2000" dirty="0"/>
           </a:p>
           <a:p>
             <a:pPr>
@@ -4012,7 +4028,7 @@
                 <a:spcPct val="150000"/>
               </a:lnSpc>
             </a:pPr>
-            <a:endParaRPr lang="en-US" sz="2800" dirty="0"/>
+            <a:endParaRPr lang="en-US" altLang="zh-CN" sz="2000" dirty="0"/>
           </a:p>
         </p:txBody>
       </p:sp>
@@ -4024,8 +4040,8 @@
         </p:nvSpPr>
         <p:spPr>
           <a:xfrm>
-            <a:off x="681355" y="3521075"/>
-            <a:ext cx="8437245" cy="1737360"/>
+            <a:off x="241300" y="1598295"/>
+            <a:ext cx="8807450" cy="2306955"/>
           </a:xfrm>
           <a:prstGeom prst="rect">
             <a:avLst/>
@@ -4049,6 +4065,18 @@
             <a:r>
               <a:rPr lang="zh-CN" altLang="en-US" sz="2400"/>
               <a:t>依赖</a:t>
+            </a:r>
+            <a:endParaRPr lang="zh-CN" altLang="en-US" sz="2400"/>
+          </a:p>
+          <a:p>
+            <a:pPr>
+              <a:lnSpc>
+                <a:spcPct val="150000"/>
+              </a:lnSpc>
+            </a:pPr>
+            <a:r>
+              <a:rPr lang="zh-CN" altLang="en-US" sz="2400"/>
+              <a:t>compile('org.springframework.boot:spring-boot-starter-data-jpa')</a:t>
             </a:r>
             <a:endParaRPr lang="zh-CN" altLang="en-US" sz="2400"/>
           </a:p>
@@ -4187,11 +4215,7 @@
             </a:r>
             <a:r>
               <a:rPr lang="zh-CN" altLang="en-US" sz="2800" dirty="0"/>
-              <a:t>、数组</a:t>
-            </a:r>
-            <a:r>
-              <a:rPr lang="zh-CN" altLang="en-US" sz="2800" dirty="0"/>
-              <a:t>）</a:t>
+              <a:t>、数组）</a:t>
             </a:r>
             <a:endParaRPr lang="zh-CN" altLang="en-US" sz="2800" dirty="0"/>
           </a:p>
@@ -4885,8 +4909,6 @@
       </a:bgFillStyleLst>
     </a:fmtScheme>
   </a:themeElements>
-  <a:objectDefaults/>
-  <a:extraClrSchemeLst/>
   <a:extLst>
     <a:ext uri="{05A4C25C-085E-4340-85A3-A5531E510DB2}">
       <thm15:themeFamily xmlns:thm15="http://schemas.microsoft.com/office/thememl/2012/main" name="Office Theme" id="{62F939B6-93AF-4DB8-9C6B-D6C7DFDC589F}" vid="{4A3C46E8-61CC-4603-A589-7422A47A8E4A}"/>
@@ -5146,8 +5168,6 @@
       </a:bgFillStyleLst>
     </a:fmtScheme>
   </a:themeElements>
-  <a:objectDefaults/>
-  <a:extraClrSchemeLst/>
   <a:extLst>
     <a:ext uri="{05A4C25C-085E-4340-85A3-A5531E510DB2}">
       <thm15:themeFamily xmlns:thm15="http://schemas.microsoft.com/office/thememl/2012/main" name="Office Theme" id="{62F939B6-93AF-4DB8-9C6B-D6C7DFDC589F}" vid="{4A3C46E8-61CC-4603-A589-7422A47A8E4A}"/>
